--- a/Syllabus/Lecture05/Lec05.pptx
+++ b/Syllabus/Lecture05/Lec05.pptx
@@ -283,7 +283,7 @@
           <a:p>
             <a:fld id="{DF9C6931-D0F6-AB40-9D7F-95567148A5C2}" type="datetimeFigureOut">
               <a:rPr lang="en-US" smtClean="0"/>
-              <a:t>9/5/2021</a:t>
+              <a:t>9/9/2021</a:t>
             </a:fld>
             <a:endParaRPr lang="en-US"/>
           </a:p>
@@ -460,7 +460,7 @@
           <a:p>
             <a:fld id="{736C18F2-6801-5147-A332-A6E1C7D69D18}" type="datetimeFigureOut">
               <a:rPr lang="en-US" smtClean="0"/>
-              <a:t>9/5/2021</a:t>
+              <a:t>9/8/2021</a:t>
             </a:fld>
             <a:endParaRPr lang="en-US"/>
           </a:p>
@@ -14936,7 +14936,13 @@
               <a:buChar char="•"/>
             </a:pPr>
             <a:r>
-              <a:rPr lang="en-US" dirty="0"/>
+              <a:rPr lang="en-US" dirty="0">
+                <a:solidFill>
+                  <a:schemeClr val="bg1">
+                    <a:lumMod val="75000"/>
+                  </a:schemeClr>
+                </a:solidFill>
+              </a:rPr>
               <a:t>Regularized Linear Models</a:t>
             </a:r>
           </a:p>
@@ -14946,7 +14952,13 @@
               <a:buChar char="•"/>
             </a:pPr>
             <a:r>
-              <a:rPr lang="en-US" dirty="0"/>
+              <a:rPr lang="en-US" dirty="0">
+                <a:solidFill>
+                  <a:schemeClr val="bg1">
+                    <a:lumMod val="75000"/>
+                  </a:schemeClr>
+                </a:solidFill>
+              </a:rPr>
               <a:t>Logistic Regression</a:t>
             </a:r>
           </a:p>
@@ -14956,11 +14968,23 @@
               <a:buChar char="•"/>
             </a:pPr>
             <a:r>
-              <a:rPr lang="en-US" dirty="0" err="1"/>
+              <a:rPr lang="en-US" dirty="0" err="1">
+                <a:solidFill>
+                  <a:schemeClr val="bg1">
+                    <a:lumMod val="75000"/>
+                  </a:schemeClr>
+                </a:solidFill>
+              </a:rPr>
               <a:t>Softmax</a:t>
             </a:r>
             <a:r>
-              <a:rPr lang="en-US" dirty="0"/>
+              <a:rPr lang="en-US" dirty="0">
+                <a:solidFill>
+                  <a:schemeClr val="bg1">
+                    <a:lumMod val="75000"/>
+                  </a:schemeClr>
+                </a:solidFill>
+              </a:rPr>
               <a:t> Regression</a:t>
             </a:r>
           </a:p>
